--- a/slides/lecture-2.pptx
+++ b/slides/lecture-2.pptx
@@ -5,10 +5,10 @@
     <p:sldMasterId id="2147483648" r:id="rId4"/>
   </p:sldMasterIdLst>
   <p:notesMasterIdLst>
-    <p:notesMasterId r:id="rId28"/>
+    <p:notesMasterId r:id="rId27"/>
   </p:notesMasterIdLst>
   <p:handoutMasterIdLst>
-    <p:handoutMasterId r:id="rId29"/>
+    <p:handoutMasterId r:id="rId28"/>
   </p:handoutMasterIdLst>
   <p:sldIdLst>
     <p:sldId id="256" r:id="rId5"/>
@@ -20,20 +20,19 @@
     <p:sldId id="285" r:id="rId11"/>
     <p:sldId id="286" r:id="rId12"/>
     <p:sldId id="287" r:id="rId13"/>
-    <p:sldId id="289" r:id="rId14"/>
-    <p:sldId id="288" r:id="rId15"/>
-    <p:sldId id="290" r:id="rId16"/>
-    <p:sldId id="292" r:id="rId17"/>
-    <p:sldId id="293" r:id="rId18"/>
-    <p:sldId id="294" r:id="rId19"/>
-    <p:sldId id="295" r:id="rId20"/>
-    <p:sldId id="296" r:id="rId21"/>
-    <p:sldId id="297" r:id="rId22"/>
-    <p:sldId id="298" r:id="rId23"/>
-    <p:sldId id="300" r:id="rId24"/>
-    <p:sldId id="301" r:id="rId25"/>
-    <p:sldId id="302" r:id="rId26"/>
-    <p:sldId id="281" r:id="rId27"/>
+    <p:sldId id="288" r:id="rId14"/>
+    <p:sldId id="290" r:id="rId15"/>
+    <p:sldId id="292" r:id="rId16"/>
+    <p:sldId id="293" r:id="rId17"/>
+    <p:sldId id="294" r:id="rId18"/>
+    <p:sldId id="295" r:id="rId19"/>
+    <p:sldId id="296" r:id="rId20"/>
+    <p:sldId id="297" r:id="rId21"/>
+    <p:sldId id="298" r:id="rId22"/>
+    <p:sldId id="300" r:id="rId23"/>
+    <p:sldId id="301" r:id="rId24"/>
+    <p:sldId id="302" r:id="rId25"/>
+    <p:sldId id="281" r:id="rId26"/>
   </p:sldIdLst>
   <p:sldSz cx="12192000" cy="6858000"/>
   <p:notesSz cx="6858000" cy="9144000"/>
@@ -5089,7 +5088,7 @@
     </p:spTree>
     <p:extLst>
       <p:ext uri="{BB962C8B-B14F-4D97-AF65-F5344CB8AC3E}">
-        <p14:creationId xmlns:p14="http://schemas.microsoft.com/office/powerpoint/2010/main" val="2561709740"/>
+        <p14:creationId xmlns:p14="http://schemas.microsoft.com/office/powerpoint/2010/main" val="3157783136"/>
       </p:ext>
     </p:extLst>
   </p:cSld>
@@ -5175,7 +5174,7 @@
     </p:spTree>
     <p:extLst>
       <p:ext uri="{BB962C8B-B14F-4D97-AF65-F5344CB8AC3E}">
-        <p14:creationId xmlns:p14="http://schemas.microsoft.com/office/powerpoint/2010/main" val="3157783136"/>
+        <p14:creationId xmlns:p14="http://schemas.microsoft.com/office/powerpoint/2010/main" val="1766365594"/>
       </p:ext>
     </p:extLst>
   </p:cSld>
@@ -5261,7 +5260,7 @@
     </p:spTree>
     <p:extLst>
       <p:ext uri="{BB962C8B-B14F-4D97-AF65-F5344CB8AC3E}">
-        <p14:creationId xmlns:p14="http://schemas.microsoft.com/office/powerpoint/2010/main" val="1766365594"/>
+        <p14:creationId xmlns:p14="http://schemas.microsoft.com/office/powerpoint/2010/main" val="2236136415"/>
       </p:ext>
     </p:extLst>
   </p:cSld>
@@ -5347,7 +5346,7 @@
     </p:spTree>
     <p:extLst>
       <p:ext uri="{BB962C8B-B14F-4D97-AF65-F5344CB8AC3E}">
-        <p14:creationId xmlns:p14="http://schemas.microsoft.com/office/powerpoint/2010/main" val="2236136415"/>
+        <p14:creationId xmlns:p14="http://schemas.microsoft.com/office/powerpoint/2010/main" val="2571439064"/>
       </p:ext>
     </p:extLst>
   </p:cSld>
@@ -5433,7 +5432,7 @@
     </p:spTree>
     <p:extLst>
       <p:ext uri="{BB962C8B-B14F-4D97-AF65-F5344CB8AC3E}">
-        <p14:creationId xmlns:p14="http://schemas.microsoft.com/office/powerpoint/2010/main" val="2571439064"/>
+        <p14:creationId xmlns:p14="http://schemas.microsoft.com/office/powerpoint/2010/main" val="480364002"/>
       </p:ext>
     </p:extLst>
   </p:cSld>
@@ -5519,7 +5518,7 @@
     </p:spTree>
     <p:extLst>
       <p:ext uri="{BB962C8B-B14F-4D97-AF65-F5344CB8AC3E}">
-        <p14:creationId xmlns:p14="http://schemas.microsoft.com/office/powerpoint/2010/main" val="480364002"/>
+        <p14:creationId xmlns:p14="http://schemas.microsoft.com/office/powerpoint/2010/main" val="2570308331"/>
       </p:ext>
     </p:extLst>
   </p:cSld>
@@ -5605,7 +5604,7 @@
     </p:spTree>
     <p:extLst>
       <p:ext uri="{BB962C8B-B14F-4D97-AF65-F5344CB8AC3E}">
-        <p14:creationId xmlns:p14="http://schemas.microsoft.com/office/powerpoint/2010/main" val="2570308331"/>
+        <p14:creationId xmlns:p14="http://schemas.microsoft.com/office/powerpoint/2010/main" val="1898276151"/>
       </p:ext>
     </p:extLst>
   </p:cSld>
@@ -5691,7 +5690,7 @@
     </p:spTree>
     <p:extLst>
       <p:ext uri="{BB962C8B-B14F-4D97-AF65-F5344CB8AC3E}">
-        <p14:creationId xmlns:p14="http://schemas.microsoft.com/office/powerpoint/2010/main" val="1898276151"/>
+        <p14:creationId xmlns:p14="http://schemas.microsoft.com/office/powerpoint/2010/main" val="1283428662"/>
       </p:ext>
     </p:extLst>
   </p:cSld>
@@ -5777,7 +5776,7 @@
     </p:spTree>
     <p:extLst>
       <p:ext uri="{BB962C8B-B14F-4D97-AF65-F5344CB8AC3E}">
-        <p14:creationId xmlns:p14="http://schemas.microsoft.com/office/powerpoint/2010/main" val="1283428662"/>
+        <p14:creationId xmlns:p14="http://schemas.microsoft.com/office/powerpoint/2010/main" val="1847440418"/>
       </p:ext>
     </p:extLst>
   </p:cSld>
@@ -5863,7 +5862,7 @@
     </p:spTree>
     <p:extLst>
       <p:ext uri="{BB962C8B-B14F-4D97-AF65-F5344CB8AC3E}">
-        <p14:creationId xmlns:p14="http://schemas.microsoft.com/office/powerpoint/2010/main" val="1847440418"/>
+        <p14:creationId xmlns:p14="http://schemas.microsoft.com/office/powerpoint/2010/main" val="365485222"/>
       </p:ext>
     </p:extLst>
   </p:cSld>
@@ -6035,7 +6034,7 @@
     </p:spTree>
     <p:extLst>
       <p:ext uri="{BB962C8B-B14F-4D97-AF65-F5344CB8AC3E}">
-        <p14:creationId xmlns:p14="http://schemas.microsoft.com/office/powerpoint/2010/main" val="365485222"/>
+        <p14:creationId xmlns:p14="http://schemas.microsoft.com/office/powerpoint/2010/main" val="346468837"/>
       </p:ext>
     </p:extLst>
   </p:cSld>
@@ -6121,7 +6120,7 @@
     </p:spTree>
     <p:extLst>
       <p:ext uri="{BB962C8B-B14F-4D97-AF65-F5344CB8AC3E}">
-        <p14:creationId xmlns:p14="http://schemas.microsoft.com/office/powerpoint/2010/main" val="346468837"/>
+        <p14:creationId xmlns:p14="http://schemas.microsoft.com/office/powerpoint/2010/main" val="1882265014"/>
       </p:ext>
     </p:extLst>
   </p:cSld>
@@ -6199,92 +6198,6 @@
             <a:fld id="{4B725628-3A68-42F4-BA86-981817953149}" type="slidenum">
               <a:rPr lang="en-GB" smtClean="0"/>
               <a:t>22</a:t>
-            </a:fld>
-            <a:endParaRPr lang="en-GB" dirty="0"/>
-          </a:p>
-        </p:txBody>
-      </p:sp>
-    </p:spTree>
-    <p:extLst>
-      <p:ext uri="{BB962C8B-B14F-4D97-AF65-F5344CB8AC3E}">
-        <p14:creationId xmlns:p14="http://schemas.microsoft.com/office/powerpoint/2010/main" val="1882265014"/>
-      </p:ext>
-    </p:extLst>
-  </p:cSld>
-  <p:clrMapOvr>
-    <a:masterClrMapping/>
-  </p:clrMapOvr>
-</p:notes>
-</file>
-
-<file path=ppt/notesSlides/notesSlide23.xml><?xml version="1.0" encoding="utf-8"?>
-<p:notes xmlns:a="http://schemas.openxmlformats.org/drawingml/2006/main" xmlns:r="http://schemas.openxmlformats.org/officeDocument/2006/relationships" xmlns:p="http://schemas.openxmlformats.org/presentationml/2006/main">
-  <p:cSld>
-    <p:spTree>
-      <p:nvGrpSpPr>
-        <p:cNvPr id="1" name=""/>
-        <p:cNvGrpSpPr/>
-        <p:nvPr/>
-      </p:nvGrpSpPr>
-      <p:grpSpPr>
-        <a:xfrm>
-          <a:off x="0" y="0"/>
-          <a:ext cx="0" cy="0"/>
-          <a:chOff x="0" y="0"/>
-          <a:chExt cx="0" cy="0"/>
-        </a:xfrm>
-      </p:grpSpPr>
-      <p:sp>
-        <p:nvSpPr>
-          <p:cNvPr id="2" name="Slide Image Placeholder 1"/>
-          <p:cNvSpPr>
-            <a:spLocks noGrp="1" noRot="1" noChangeAspect="1"/>
-          </p:cNvSpPr>
-          <p:nvPr>
-            <p:ph type="sldImg"/>
-          </p:nvPr>
-        </p:nvSpPr>
-        <p:spPr/>
-      </p:sp>
-      <p:sp>
-        <p:nvSpPr>
-          <p:cNvPr id="3" name="Notes Placeholder 2"/>
-          <p:cNvSpPr>
-            <a:spLocks noGrp="1"/>
-          </p:cNvSpPr>
-          <p:nvPr>
-            <p:ph type="body" idx="1"/>
-          </p:nvPr>
-        </p:nvSpPr>
-        <p:spPr/>
-        <p:txBody>
-          <a:bodyPr rtlCol="0"/>
-          <a:lstStyle/>
-          <a:p>
-            <a:pPr rtl="0"/>
-            <a:endParaRPr lang="en-GB" dirty="0"/>
-          </a:p>
-        </p:txBody>
-      </p:sp>
-      <p:sp>
-        <p:nvSpPr>
-          <p:cNvPr id="4" name="Slide Number Placeholder 3"/>
-          <p:cNvSpPr>
-            <a:spLocks noGrp="1"/>
-          </p:cNvSpPr>
-          <p:nvPr>
-            <p:ph type="sldNum" sz="quarter" idx="10"/>
-          </p:nvPr>
-        </p:nvSpPr>
-        <p:spPr/>
-        <p:txBody>
-          <a:bodyPr rtlCol="0"/>
-          <a:lstStyle/>
-          <a:p>
-            <a:pPr rtl="0"/>
-            <a:fld id="{4B725628-3A68-42F4-BA86-981817953149}" type="slidenum">
-              <a:rPr lang="en-GB" smtClean="0"/>
-              <a:t>23</a:t>
             </a:fld>
             <a:endParaRPr lang="en-GB" dirty="0"/>
           </a:p>
@@ -27938,444 +27851,6 @@
             </a:r>
           </a:p>
           <a:p>
-            <a:pPr marL="128016" lvl="1" indent="0">
-              <a:buNone/>
-            </a:pPr>
-            <a:endParaRPr lang="en-GB" dirty="0"/>
-          </a:p>
-        </p:txBody>
-      </p:sp>
-      <p:pic>
-        <p:nvPicPr>
-          <p:cNvPr id="6" name="Picture 5">
-            <a:extLst>
-              <a:ext uri="{FF2B5EF4-FFF2-40B4-BE49-F238E27FC236}">
-                <a16:creationId xmlns:a16="http://schemas.microsoft.com/office/drawing/2014/main" id="{DE0EBF52-AF4B-664D-A198-3F4791872CCF}"/>
-              </a:ext>
-            </a:extLst>
-          </p:cNvPr>
-          <p:cNvPicPr>
-            <a:picLocks noChangeAspect="1"/>
-          </p:cNvPicPr>
-          <p:nvPr/>
-        </p:nvPicPr>
-        <p:blipFill>
-          <a:blip r:embed="rId3"/>
-          <a:stretch>
-            <a:fillRect/>
-          </a:stretch>
-        </p:blipFill>
-        <p:spPr>
-          <a:xfrm>
-            <a:off x="4655128" y="419673"/>
-            <a:ext cx="7398327" cy="5728419"/>
-          </a:xfrm>
-          <a:prstGeom prst="rect">
-            <a:avLst/>
-          </a:prstGeom>
-        </p:spPr>
-      </p:pic>
-    </p:spTree>
-    <p:extLst>
-      <p:ext uri="{BB962C8B-B14F-4D97-AF65-F5344CB8AC3E}">
-        <p14:creationId xmlns:p14="http://schemas.microsoft.com/office/powerpoint/2010/main" val="3436750228"/>
-      </p:ext>
-    </p:extLst>
-  </p:cSld>
-  <p:clrMapOvr>
-    <a:masterClrMapping/>
-  </p:clrMapOvr>
-  <p:timing>
-    <p:tnLst>
-      <p:par>
-        <p:cTn id="1" dur="indefinite" restart="never" nodeType="tmRoot">
-          <p:childTnLst>
-            <p:seq concurrent="1" nextAc="seek">
-              <p:cTn id="2" dur="indefinite" nodeType="mainSeq">
-                <p:childTnLst>
-                  <p:par>
-                    <p:cTn id="3" fill="hold">
-                      <p:stCondLst>
-                        <p:cond delay="indefinite"/>
-                      </p:stCondLst>
-                      <p:childTnLst>
-                        <p:par>
-                          <p:cTn id="4" fill="hold">
-                            <p:stCondLst>
-                              <p:cond delay="0"/>
-                            </p:stCondLst>
-                            <p:childTnLst>
-                              <p:par>
-                                <p:cTn id="5" presetID="1" presetClass="entr" presetSubtype="0" fill="hold" nodeType="clickEffect">
-                                  <p:stCondLst>
-                                    <p:cond delay="0"/>
-                                  </p:stCondLst>
-                                  <p:childTnLst>
-                                    <p:set>
-                                      <p:cBhvr>
-                                        <p:cTn id="6" dur="1" fill="hold">
-                                          <p:stCondLst>
-                                            <p:cond delay="0"/>
-                                          </p:stCondLst>
-                                        </p:cTn>
-                                        <p:tgtEl>
-                                          <p:spTgt spid="7">
-                                            <p:txEl>
-                                              <p:pRg st="0" end="0"/>
-                                            </p:txEl>
-                                          </p:spTgt>
-                                        </p:tgtEl>
-                                        <p:attrNameLst>
-                                          <p:attrName>style.visibility</p:attrName>
-                                        </p:attrNameLst>
-                                      </p:cBhvr>
-                                      <p:to>
-                                        <p:strVal val="visible"/>
-                                      </p:to>
-                                    </p:set>
-                                  </p:childTnLst>
-                                  <p:subTnLst>
-                                    <p:animClr clrSpc="rgb" dir="cw">
-                                      <p:cBhvr override="childStyle">
-                                        <p:cTn dur="1" fill="hold" display="0" masterRel="nextClick" afterEffect="1"/>
-                                        <p:tgtEl>
-                                          <p:spTgt spid="7">
-                                            <p:txEl>
-                                              <p:pRg st="0" end="0"/>
-                                            </p:txEl>
-                                          </p:spTgt>
-                                        </p:tgtEl>
-                                        <p:attrNameLst>
-                                          <p:attrName>ppt_c</p:attrName>
-                                        </p:attrNameLst>
-                                      </p:cBhvr>
-                                      <p:to>
-                                        <a:srgbClr val="B9AA96"/>
-                                      </p:to>
-                                    </p:animClr>
-                                  </p:subTnLst>
-                                </p:cTn>
-                              </p:par>
-                            </p:childTnLst>
-                          </p:cTn>
-                        </p:par>
-                      </p:childTnLst>
-                    </p:cTn>
-                  </p:par>
-                  <p:par>
-                    <p:cTn id="7" fill="hold">
-                      <p:stCondLst>
-                        <p:cond delay="indefinite"/>
-                      </p:stCondLst>
-                      <p:childTnLst>
-                        <p:par>
-                          <p:cTn id="8" fill="hold">
-                            <p:stCondLst>
-                              <p:cond delay="0"/>
-                            </p:stCondLst>
-                            <p:childTnLst>
-                              <p:par>
-                                <p:cTn id="9" presetID="1" presetClass="entr" presetSubtype="0" fill="hold" nodeType="clickEffect">
-                                  <p:stCondLst>
-                                    <p:cond delay="0"/>
-                                  </p:stCondLst>
-                                  <p:childTnLst>
-                                    <p:set>
-                                      <p:cBhvr>
-                                        <p:cTn id="10" dur="1" fill="hold">
-                                          <p:stCondLst>
-                                            <p:cond delay="0"/>
-                                          </p:stCondLst>
-                                        </p:cTn>
-                                        <p:tgtEl>
-                                          <p:spTgt spid="7">
-                                            <p:txEl>
-                                              <p:pRg st="1" end="1"/>
-                                            </p:txEl>
-                                          </p:spTgt>
-                                        </p:tgtEl>
-                                        <p:attrNameLst>
-                                          <p:attrName>style.visibility</p:attrName>
-                                        </p:attrNameLst>
-                                      </p:cBhvr>
-                                      <p:to>
-                                        <p:strVal val="visible"/>
-                                      </p:to>
-                                    </p:set>
-                                  </p:childTnLst>
-                                  <p:subTnLst>
-                                    <p:animClr clrSpc="rgb" dir="cw">
-                                      <p:cBhvr override="childStyle">
-                                        <p:cTn dur="1" fill="hold" display="0" masterRel="nextClick" afterEffect="1"/>
-                                        <p:tgtEl>
-                                          <p:spTgt spid="7">
-                                            <p:txEl>
-                                              <p:pRg st="1" end="1"/>
-                                            </p:txEl>
-                                          </p:spTgt>
-                                        </p:tgtEl>
-                                        <p:attrNameLst>
-                                          <p:attrName>ppt_c</p:attrName>
-                                        </p:attrNameLst>
-                                      </p:cBhvr>
-                                      <p:to>
-                                        <a:srgbClr val="B9AA96"/>
-                                      </p:to>
-                                    </p:animClr>
-                                  </p:subTnLst>
-                                </p:cTn>
-                              </p:par>
-                            </p:childTnLst>
-                          </p:cTn>
-                        </p:par>
-                      </p:childTnLst>
-                    </p:cTn>
-                  </p:par>
-                  <p:par>
-                    <p:cTn id="11" fill="hold">
-                      <p:stCondLst>
-                        <p:cond delay="indefinite"/>
-                      </p:stCondLst>
-                      <p:childTnLst>
-                        <p:par>
-                          <p:cTn id="12" fill="hold">
-                            <p:stCondLst>
-                              <p:cond delay="0"/>
-                            </p:stCondLst>
-                            <p:childTnLst>
-                              <p:par>
-                                <p:cTn id="13" presetID="1" presetClass="entr" presetSubtype="0" fill="hold" nodeType="clickEffect">
-                                  <p:stCondLst>
-                                    <p:cond delay="0"/>
-                                  </p:stCondLst>
-                                  <p:childTnLst>
-                                    <p:set>
-                                      <p:cBhvr>
-                                        <p:cTn id="14" dur="1" fill="hold">
-                                          <p:stCondLst>
-                                            <p:cond delay="0"/>
-                                          </p:stCondLst>
-                                        </p:cTn>
-                                        <p:tgtEl>
-                                          <p:spTgt spid="6"/>
-                                        </p:tgtEl>
-                                        <p:attrNameLst>
-                                          <p:attrName>style.visibility</p:attrName>
-                                        </p:attrNameLst>
-                                      </p:cBhvr>
-                                      <p:to>
-                                        <p:strVal val="visible"/>
-                                      </p:to>
-                                    </p:set>
-                                  </p:childTnLst>
-                                </p:cTn>
-                              </p:par>
-                            </p:childTnLst>
-                          </p:cTn>
-                        </p:par>
-                      </p:childTnLst>
-                    </p:cTn>
-                  </p:par>
-                </p:childTnLst>
-              </p:cTn>
-              <p:prevCondLst>
-                <p:cond evt="onPrev" delay="0">
-                  <p:tgtEl>
-                    <p:sldTgt/>
-                  </p:tgtEl>
-                </p:cond>
-              </p:prevCondLst>
-              <p:nextCondLst>
-                <p:cond evt="onNext" delay="0">
-                  <p:tgtEl>
-                    <p:sldTgt/>
-                  </p:tgtEl>
-                </p:cond>
-              </p:nextCondLst>
-            </p:seq>
-          </p:childTnLst>
-        </p:cTn>
-      </p:par>
-    </p:tnLst>
-  </p:timing>
-</p:sld>
-</file>
-
-<file path=ppt/slides/slide11.xml><?xml version="1.0" encoding="utf-8"?>
-<p:sld xmlns:a="http://schemas.openxmlformats.org/drawingml/2006/main" xmlns:r="http://schemas.openxmlformats.org/officeDocument/2006/relationships" xmlns:p="http://schemas.openxmlformats.org/presentationml/2006/main">
-  <p:cSld>
-    <p:bg>
-      <p:bgPr>
-        <a:solidFill>
-          <a:schemeClr val="bg1"/>
-        </a:solidFill>
-        <a:effectLst/>
-      </p:bgPr>
-    </p:bg>
-    <p:spTree>
-      <p:nvGrpSpPr>
-        <p:cNvPr id="1" name=""/>
-        <p:cNvGrpSpPr/>
-        <p:nvPr/>
-      </p:nvGrpSpPr>
-      <p:grpSpPr>
-        <a:xfrm>
-          <a:off x="0" y="0"/>
-          <a:ext cx="0" cy="0"/>
-          <a:chOff x="0" y="0"/>
-          <a:chExt cx="0" cy="0"/>
-        </a:xfrm>
-      </p:grpSpPr>
-      <p:sp>
-        <p:nvSpPr>
-          <p:cNvPr id="2" name="Title 1">
-            <a:extLst>
-              <a:ext uri="{FF2B5EF4-FFF2-40B4-BE49-F238E27FC236}">
-                <a16:creationId xmlns:a16="http://schemas.microsoft.com/office/drawing/2014/main" id="{7A4919D0-F177-4BBA-9A0B-DBA69E2ED764}"/>
-              </a:ext>
-            </a:extLst>
-          </p:cNvPr>
-          <p:cNvSpPr>
-            <a:spLocks noGrp="1"/>
-          </p:cNvSpPr>
-          <p:nvPr>
-            <p:ph type="title"/>
-          </p:nvPr>
-        </p:nvSpPr>
-        <p:spPr>
-          <a:xfrm>
-            <a:off x="1024128" y="585216"/>
-            <a:ext cx="9720072" cy="1499616"/>
-          </a:xfrm>
-        </p:spPr>
-        <p:txBody>
-          <a:bodyPr rtlCol="0">
-            <a:normAutofit/>
-          </a:bodyPr>
-          <a:lstStyle/>
-          <a:p>
-            <a:pPr rtl="0"/>
-            <a:r>
-              <a:rPr lang="en-GB" dirty="0"/>
-              <a:t>Lists</a:t>
-            </a:r>
-          </a:p>
-        </p:txBody>
-      </p:sp>
-      <p:sp>
-        <p:nvSpPr>
-          <p:cNvPr id="3" name="Footer Placeholder 2">
-            <a:extLst>
-              <a:ext uri="{FF2B5EF4-FFF2-40B4-BE49-F238E27FC236}">
-                <a16:creationId xmlns:a16="http://schemas.microsoft.com/office/drawing/2014/main" id="{0B0A155A-8E69-2C49-B06D-4E4B39AE9BE0}"/>
-              </a:ext>
-            </a:extLst>
-          </p:cNvPr>
-          <p:cNvSpPr>
-            <a:spLocks noGrp="1"/>
-          </p:cNvSpPr>
-          <p:nvPr>
-            <p:ph type="ftr" sz="quarter" idx="11"/>
-          </p:nvPr>
-        </p:nvSpPr>
-        <p:spPr/>
-        <p:txBody>
-          <a:bodyPr/>
-          <a:lstStyle/>
-          <a:p>
-            <a:pPr rtl="0"/>
-            <a:r>
-              <a:rPr lang="en-GB" noProof="0"/>
-              <a:t>R for Data Science | Tek Raj Chhetri</a:t>
-            </a:r>
-            <a:endParaRPr lang="en-GB" noProof="0" dirty="0"/>
-          </a:p>
-        </p:txBody>
-      </p:sp>
-      <p:sp>
-        <p:nvSpPr>
-          <p:cNvPr id="4" name="Date Placeholder 3">
-            <a:extLst>
-              <a:ext uri="{FF2B5EF4-FFF2-40B4-BE49-F238E27FC236}">
-                <a16:creationId xmlns:a16="http://schemas.microsoft.com/office/drawing/2014/main" id="{E2924AB0-3EC3-3747-BFAF-1B0DC24E2E3A}"/>
-              </a:ext>
-            </a:extLst>
-          </p:cNvPr>
-          <p:cNvSpPr>
-            <a:spLocks noGrp="1"/>
-          </p:cNvSpPr>
-          <p:nvPr>
-            <p:ph type="dt" sz="half" idx="10"/>
-          </p:nvPr>
-        </p:nvSpPr>
-        <p:spPr/>
-        <p:txBody>
-          <a:bodyPr/>
-          <a:lstStyle/>
-          <a:p>
-            <a:pPr rtl="0"/>
-            <a:fld id="{DE5526C5-D6BC-7148-9C78-9858FA73491E}" type="datetime1">
-              <a:rPr lang="en-US" noProof="0" smtClean="0"/>
-              <a:t>6/19/21</a:t>
-            </a:fld>
-            <a:endParaRPr lang="en-GB" noProof="0" dirty="0"/>
-          </a:p>
-        </p:txBody>
-      </p:sp>
-      <p:sp>
-        <p:nvSpPr>
-          <p:cNvPr id="7" name="Content Placeholder 6">
-            <a:extLst>
-              <a:ext uri="{FF2B5EF4-FFF2-40B4-BE49-F238E27FC236}">
-                <a16:creationId xmlns:a16="http://schemas.microsoft.com/office/drawing/2014/main" id="{74211B97-3CF7-1B4C-A176-A308D0BFFA4A}"/>
-              </a:ext>
-            </a:extLst>
-          </p:cNvPr>
-          <p:cNvSpPr>
-            <a:spLocks noGrp="1"/>
-          </p:cNvSpPr>
-          <p:nvPr>
-            <p:ph idx="1"/>
-          </p:nvPr>
-        </p:nvSpPr>
-        <p:spPr>
-          <a:xfrm>
-            <a:off x="762001" y="2084832"/>
-            <a:ext cx="4742464" cy="4224528"/>
-          </a:xfrm>
-        </p:spPr>
-        <p:txBody>
-          <a:bodyPr/>
-          <a:lstStyle/>
-          <a:p>
-            <a:pPr>
-              <a:buFont typeface="Courier New" panose="02070309020205020404" pitchFamily="49" charset="0"/>
-              <a:buChar char="o"/>
-            </a:pPr>
-            <a:r>
-              <a:rPr lang="en-GB" dirty="0"/>
-              <a:t> Manipulating lists elements.</a:t>
-            </a:r>
-          </a:p>
-          <a:p>
-            <a:pPr>
-              <a:buFont typeface="Courier New" panose="02070309020205020404" pitchFamily="49" charset="0"/>
-              <a:buChar char="o"/>
-            </a:pPr>
-            <a:r>
-              <a:rPr lang="en-GB" dirty="0"/>
-              <a:t> </a:t>
-            </a:r>
-            <a:r>
-              <a:rPr lang="en-GB" dirty="0" err="1"/>
-              <a:t>list_element</a:t>
-            </a:r>
-            <a:r>
-              <a:rPr lang="en-GB" dirty="0"/>
-              <a:t> = value </a:t>
-            </a:r>
-          </a:p>
-          <a:p>
             <a:pPr>
               <a:buFont typeface="Courier New" panose="02070309020205020404" pitchFamily="49" charset="0"/>
               <a:buChar char="o"/>
@@ -28805,7 +28280,7 @@
 </p:sld>
 </file>
 
-<file path=ppt/slides/slide12.xml><?xml version="1.0" encoding="utf-8"?>
+<file path=ppt/slides/slide11.xml><?xml version="1.0" encoding="utf-8"?>
 <p:sld xmlns:a="http://schemas.openxmlformats.org/drawingml/2006/main" xmlns:r="http://schemas.openxmlformats.org/officeDocument/2006/relationships" xmlns:p="http://schemas.openxmlformats.org/presentationml/2006/main">
   <p:cSld>
     <p:bg>
@@ -29475,7 +28950,7 @@
 </p:sld>
 </file>
 
-<file path=ppt/slides/slide13.xml><?xml version="1.0" encoding="utf-8"?>
+<file path=ppt/slides/slide12.xml><?xml version="1.0" encoding="utf-8"?>
 <p:sld xmlns:a="http://schemas.openxmlformats.org/drawingml/2006/main" xmlns:r="http://schemas.openxmlformats.org/officeDocument/2006/relationships" xmlns:p="http://schemas.openxmlformats.org/presentationml/2006/main">
   <p:cSld>
     <p:bg>
@@ -30035,7 +29510,7 @@
 </p:sld>
 </file>
 
-<file path=ppt/slides/slide14.xml><?xml version="1.0" encoding="utf-8"?>
+<file path=ppt/slides/slide13.xml><?xml version="1.0" encoding="utf-8"?>
 <p:sld xmlns:a="http://schemas.openxmlformats.org/drawingml/2006/main" xmlns:r="http://schemas.openxmlformats.org/officeDocument/2006/relationships" xmlns:p="http://schemas.openxmlformats.org/presentationml/2006/main">
   <p:cSld>
     <p:bg>
@@ -30687,7 +30162,7 @@
 </p:sld>
 </file>
 
-<file path=ppt/slides/slide15.xml><?xml version="1.0" encoding="utf-8"?>
+<file path=ppt/slides/slide14.xml><?xml version="1.0" encoding="utf-8"?>
 <p:sld xmlns:a="http://schemas.openxmlformats.org/drawingml/2006/main" xmlns:r="http://schemas.openxmlformats.org/officeDocument/2006/relationships" xmlns:p="http://schemas.openxmlformats.org/presentationml/2006/main">
   <p:cSld>
     <p:bg>
@@ -31880,7 +31355,7 @@
 </p:sld>
 </file>
 
-<file path=ppt/slides/slide16.xml><?xml version="1.0" encoding="utf-8"?>
+<file path=ppt/slides/slide15.xml><?xml version="1.0" encoding="utf-8"?>
 <p:sld xmlns:a="http://schemas.openxmlformats.org/drawingml/2006/main" xmlns:r="http://schemas.openxmlformats.org/officeDocument/2006/relationships" xmlns:p="http://schemas.openxmlformats.org/presentationml/2006/main">
   <p:cSld>
     <p:bg>
@@ -32103,7 +31578,7 @@
 </p:sld>
 </file>
 
-<file path=ppt/slides/slide17.xml><?xml version="1.0" encoding="utf-8"?>
+<file path=ppt/slides/slide16.xml><?xml version="1.0" encoding="utf-8"?>
 <p:sld xmlns:a="http://schemas.openxmlformats.org/drawingml/2006/main" xmlns:r="http://schemas.openxmlformats.org/officeDocument/2006/relationships" xmlns:p="http://schemas.openxmlformats.org/presentationml/2006/main">
   <p:cSld>
     <p:bg>
@@ -32650,7 +32125,7 @@
 </p:sld>
 </file>
 
-<file path=ppt/slides/slide18.xml><?xml version="1.0" encoding="utf-8"?>
+<file path=ppt/slides/slide17.xml><?xml version="1.0" encoding="utf-8"?>
 <p:sld xmlns:a="http://schemas.openxmlformats.org/drawingml/2006/main" xmlns:r="http://schemas.openxmlformats.org/officeDocument/2006/relationships" xmlns:p="http://schemas.openxmlformats.org/presentationml/2006/main">
   <p:cSld>
     <p:bg>
@@ -33267,7 +32742,7 @@
 </p:sld>
 </file>
 
-<file path=ppt/slides/slide19.xml><?xml version="1.0" encoding="utf-8"?>
+<file path=ppt/slides/slide18.xml><?xml version="1.0" encoding="utf-8"?>
 <p:sld xmlns:a="http://schemas.openxmlformats.org/drawingml/2006/main" xmlns:r="http://schemas.openxmlformats.org/officeDocument/2006/relationships" xmlns:p="http://schemas.openxmlformats.org/presentationml/2006/main">
   <p:cSld>
     <p:bg>
@@ -33827,250 +33302,7 @@
 </p:sld>
 </file>
 
-<file path=ppt/slides/slide2.xml><?xml version="1.0" encoding="utf-8"?>
-<p:sld xmlns:a="http://schemas.openxmlformats.org/drawingml/2006/main" xmlns:r="http://schemas.openxmlformats.org/officeDocument/2006/relationships" xmlns:p="http://schemas.openxmlformats.org/presentationml/2006/main">
-  <p:cSld>
-    <p:bg>
-      <p:bgPr>
-        <a:solidFill>
-          <a:schemeClr val="bg1"/>
-        </a:solidFill>
-        <a:effectLst/>
-      </p:bgPr>
-    </p:bg>
-    <p:spTree>
-      <p:nvGrpSpPr>
-        <p:cNvPr id="1" name=""/>
-        <p:cNvGrpSpPr/>
-        <p:nvPr/>
-      </p:nvGrpSpPr>
-      <p:grpSpPr>
-        <a:xfrm>
-          <a:off x="0" y="0"/>
-          <a:ext cx="0" cy="0"/>
-          <a:chOff x="0" y="0"/>
-          <a:chExt cx="0" cy="0"/>
-        </a:xfrm>
-      </p:grpSpPr>
-      <p:sp>
-        <p:nvSpPr>
-          <p:cNvPr id="2" name="Title 1">
-            <a:extLst>
-              <a:ext uri="{FF2B5EF4-FFF2-40B4-BE49-F238E27FC236}">
-                <a16:creationId xmlns:a16="http://schemas.microsoft.com/office/drawing/2014/main" id="{7A4919D0-F177-4BBA-9A0B-DBA69E2ED764}"/>
-              </a:ext>
-            </a:extLst>
-          </p:cNvPr>
-          <p:cNvSpPr>
-            <a:spLocks noGrp="1"/>
-          </p:cNvSpPr>
-          <p:nvPr>
-            <p:ph type="title"/>
-          </p:nvPr>
-        </p:nvSpPr>
-        <p:spPr>
-          <a:xfrm>
-            <a:off x="1024128" y="585216"/>
-            <a:ext cx="9720072" cy="1499616"/>
-          </a:xfrm>
-        </p:spPr>
-        <p:txBody>
-          <a:bodyPr rtlCol="0">
-            <a:normAutofit/>
-          </a:bodyPr>
-          <a:lstStyle/>
-          <a:p>
-            <a:pPr rtl="0"/>
-            <a:r>
-              <a:rPr lang="en-GB" dirty="0"/>
-              <a:t>Acknowledgements</a:t>
-            </a:r>
-          </a:p>
-        </p:txBody>
-      </p:sp>
-      <p:sp>
-        <p:nvSpPr>
-          <p:cNvPr id="4" name="Content Placeholder 3">
-            <a:extLst>
-              <a:ext uri="{FF2B5EF4-FFF2-40B4-BE49-F238E27FC236}">
-                <a16:creationId xmlns:a16="http://schemas.microsoft.com/office/drawing/2014/main" id="{E36F7498-41D9-3B42-86EE-B01E6585DD9E}"/>
-              </a:ext>
-            </a:extLst>
-          </p:cNvPr>
-          <p:cNvSpPr>
-            <a:spLocks noGrp="1"/>
-          </p:cNvSpPr>
-          <p:nvPr>
-            <p:ph idx="1"/>
-          </p:nvPr>
-        </p:nvSpPr>
-        <p:spPr/>
-        <p:txBody>
-          <a:bodyPr/>
-          <a:lstStyle/>
-          <a:p>
-            <a:pPr>
-              <a:buFont typeface="Courier New" panose="02070309020205020404" pitchFamily="49" charset="0"/>
-              <a:buChar char="o"/>
-            </a:pPr>
-            <a:r>
-              <a:rPr lang="en-GB" dirty="0"/>
-              <a:t> Beginning R: The Statistical Programming Language by </a:t>
-            </a:r>
-            <a:r>
-              <a:rPr lang="en-GB" dirty="0" err="1"/>
-              <a:t>Wrox</a:t>
-            </a:r>
-            <a:r>
-              <a:rPr lang="en-GB" dirty="0"/>
-              <a:t> publisher</a:t>
-            </a:r>
-          </a:p>
-          <a:p>
-            <a:pPr>
-              <a:buFont typeface="Courier New" panose="02070309020205020404" pitchFamily="49" charset="0"/>
-              <a:buChar char="o"/>
-            </a:pPr>
-            <a:r>
-              <a:rPr lang="en-GB" dirty="0"/>
-              <a:t> Advanced R Statistical Programming and Data Models Analysis, Machine Learning, and Visualization by Matt Wiley and Joshua F. Wiley </a:t>
-            </a:r>
-          </a:p>
-          <a:p>
-            <a:pPr>
-              <a:buFont typeface="Courier New" panose="02070309020205020404" pitchFamily="49" charset="0"/>
-              <a:buChar char="o"/>
-            </a:pPr>
-            <a:r>
-              <a:rPr lang="en-GB" dirty="0"/>
-              <a:t> Modern R Programming Cookbook by </a:t>
-            </a:r>
-            <a:r>
-              <a:rPr lang="en-GB" dirty="0" err="1"/>
-              <a:t>Jaynal</a:t>
-            </a:r>
-            <a:r>
-              <a:rPr lang="en-GB" dirty="0"/>
-              <a:t> Abedin, </a:t>
-            </a:r>
-            <a:r>
-              <a:rPr lang="en-GB" dirty="0" err="1"/>
-              <a:t>Packt</a:t>
-            </a:r>
-            <a:r>
-              <a:rPr lang="en-GB" dirty="0"/>
-              <a:t> Publishing</a:t>
-            </a:r>
-          </a:p>
-          <a:p>
-            <a:pPr>
-              <a:buFont typeface="Courier New" panose="02070309020205020404" pitchFamily="49" charset="0"/>
-              <a:buChar char="o"/>
-            </a:pPr>
-            <a:r>
-              <a:rPr lang="en-GB" dirty="0"/>
-              <a:t> Learning R Programming by </a:t>
-            </a:r>
-            <a:r>
-              <a:rPr lang="en-GB" dirty="0" err="1"/>
-              <a:t>Kun</a:t>
-            </a:r>
-            <a:r>
-              <a:rPr lang="en-GB" dirty="0"/>
-              <a:t> Ren, </a:t>
-            </a:r>
-            <a:r>
-              <a:rPr lang="en-GB" dirty="0" err="1"/>
-              <a:t>Packt</a:t>
-            </a:r>
-            <a:r>
-              <a:rPr lang="en-GB" dirty="0"/>
-              <a:t> Publishing</a:t>
-            </a:r>
-          </a:p>
-          <a:p>
-            <a:pPr>
-              <a:buFont typeface="Courier New" panose="02070309020205020404" pitchFamily="49" charset="0"/>
-              <a:buChar char="o"/>
-            </a:pPr>
-            <a:endParaRPr lang="en-AT" dirty="0"/>
-          </a:p>
-        </p:txBody>
-      </p:sp>
-      <p:sp>
-        <p:nvSpPr>
-          <p:cNvPr id="6" name="Footer Placeholder 5">
-            <a:extLst>
-              <a:ext uri="{FF2B5EF4-FFF2-40B4-BE49-F238E27FC236}">
-                <a16:creationId xmlns:a16="http://schemas.microsoft.com/office/drawing/2014/main" id="{4B080D2F-AEBF-A546-95AB-978F2C334664}"/>
-              </a:ext>
-            </a:extLst>
-          </p:cNvPr>
-          <p:cNvSpPr>
-            <a:spLocks noGrp="1"/>
-          </p:cNvSpPr>
-          <p:nvPr>
-            <p:ph type="ftr" sz="quarter" idx="11"/>
-          </p:nvPr>
-        </p:nvSpPr>
-        <p:spPr/>
-        <p:txBody>
-          <a:bodyPr/>
-          <a:lstStyle/>
-          <a:p>
-            <a:pPr rtl="0"/>
-            <a:r>
-              <a:rPr lang="en-GB" noProof="0"/>
-              <a:t>R for Data Science | Tek Raj Chhetri</a:t>
-            </a:r>
-            <a:endParaRPr lang="en-GB" noProof="0" dirty="0"/>
-          </a:p>
-        </p:txBody>
-      </p:sp>
-      <p:sp>
-        <p:nvSpPr>
-          <p:cNvPr id="7" name="Date Placeholder 6">
-            <a:extLst>
-              <a:ext uri="{FF2B5EF4-FFF2-40B4-BE49-F238E27FC236}">
-                <a16:creationId xmlns:a16="http://schemas.microsoft.com/office/drawing/2014/main" id="{1243E8BC-A873-7E42-B91C-CC35C3EC3A2E}"/>
-              </a:ext>
-            </a:extLst>
-          </p:cNvPr>
-          <p:cNvSpPr>
-            <a:spLocks noGrp="1"/>
-          </p:cNvSpPr>
-          <p:nvPr>
-            <p:ph type="dt" sz="half" idx="10"/>
-          </p:nvPr>
-        </p:nvSpPr>
-        <p:spPr/>
-        <p:txBody>
-          <a:bodyPr/>
-          <a:lstStyle/>
-          <a:p>
-            <a:pPr rtl="0"/>
-            <a:fld id="{56FEC948-6879-7340-9946-402FC646F388}" type="datetime1">
-              <a:rPr lang="en-US" noProof="0" smtClean="0"/>
-              <a:t>6/19/21</a:t>
-            </a:fld>
-            <a:endParaRPr lang="en-GB" noProof="0" dirty="0"/>
-          </a:p>
-        </p:txBody>
-      </p:sp>
-    </p:spTree>
-    <p:extLst>
-      <p:ext uri="{BB962C8B-B14F-4D97-AF65-F5344CB8AC3E}">
-        <p14:creationId xmlns:p14="http://schemas.microsoft.com/office/powerpoint/2010/main" val="1401741552"/>
-      </p:ext>
-    </p:extLst>
-  </p:cSld>
-  <p:clrMapOvr>
-    <a:masterClrMapping/>
-  </p:clrMapOvr>
-</p:sld>
-</file>
-
-<file path=ppt/slides/slide20.xml><?xml version="1.0" encoding="utf-8"?>
+<file path=ppt/slides/slide19.xml><?xml version="1.0" encoding="utf-8"?>
 <p:sld xmlns:a="http://schemas.openxmlformats.org/drawingml/2006/main" xmlns:r="http://schemas.openxmlformats.org/officeDocument/2006/relationships" xmlns:p="http://schemas.openxmlformats.org/presentationml/2006/main">
   <p:cSld>
     <p:bg>
@@ -34657,7 +33889,250 @@
 </p:sld>
 </file>
 
-<file path=ppt/slides/slide21.xml><?xml version="1.0" encoding="utf-8"?>
+<file path=ppt/slides/slide2.xml><?xml version="1.0" encoding="utf-8"?>
+<p:sld xmlns:a="http://schemas.openxmlformats.org/drawingml/2006/main" xmlns:r="http://schemas.openxmlformats.org/officeDocument/2006/relationships" xmlns:p="http://schemas.openxmlformats.org/presentationml/2006/main">
+  <p:cSld>
+    <p:bg>
+      <p:bgPr>
+        <a:solidFill>
+          <a:schemeClr val="bg1"/>
+        </a:solidFill>
+        <a:effectLst/>
+      </p:bgPr>
+    </p:bg>
+    <p:spTree>
+      <p:nvGrpSpPr>
+        <p:cNvPr id="1" name=""/>
+        <p:cNvGrpSpPr/>
+        <p:nvPr/>
+      </p:nvGrpSpPr>
+      <p:grpSpPr>
+        <a:xfrm>
+          <a:off x="0" y="0"/>
+          <a:ext cx="0" cy="0"/>
+          <a:chOff x="0" y="0"/>
+          <a:chExt cx="0" cy="0"/>
+        </a:xfrm>
+      </p:grpSpPr>
+      <p:sp>
+        <p:nvSpPr>
+          <p:cNvPr id="2" name="Title 1">
+            <a:extLst>
+              <a:ext uri="{FF2B5EF4-FFF2-40B4-BE49-F238E27FC236}">
+                <a16:creationId xmlns:a16="http://schemas.microsoft.com/office/drawing/2014/main" id="{7A4919D0-F177-4BBA-9A0B-DBA69E2ED764}"/>
+              </a:ext>
+            </a:extLst>
+          </p:cNvPr>
+          <p:cNvSpPr>
+            <a:spLocks noGrp="1"/>
+          </p:cNvSpPr>
+          <p:nvPr>
+            <p:ph type="title"/>
+          </p:nvPr>
+        </p:nvSpPr>
+        <p:spPr>
+          <a:xfrm>
+            <a:off x="1024128" y="585216"/>
+            <a:ext cx="9720072" cy="1499616"/>
+          </a:xfrm>
+        </p:spPr>
+        <p:txBody>
+          <a:bodyPr rtlCol="0">
+            <a:normAutofit/>
+          </a:bodyPr>
+          <a:lstStyle/>
+          <a:p>
+            <a:pPr rtl="0"/>
+            <a:r>
+              <a:rPr lang="en-GB" dirty="0"/>
+              <a:t>Acknowledgements</a:t>
+            </a:r>
+          </a:p>
+        </p:txBody>
+      </p:sp>
+      <p:sp>
+        <p:nvSpPr>
+          <p:cNvPr id="4" name="Content Placeholder 3">
+            <a:extLst>
+              <a:ext uri="{FF2B5EF4-FFF2-40B4-BE49-F238E27FC236}">
+                <a16:creationId xmlns:a16="http://schemas.microsoft.com/office/drawing/2014/main" id="{E36F7498-41D9-3B42-86EE-B01E6585DD9E}"/>
+              </a:ext>
+            </a:extLst>
+          </p:cNvPr>
+          <p:cNvSpPr>
+            <a:spLocks noGrp="1"/>
+          </p:cNvSpPr>
+          <p:nvPr>
+            <p:ph idx="1"/>
+          </p:nvPr>
+        </p:nvSpPr>
+        <p:spPr/>
+        <p:txBody>
+          <a:bodyPr/>
+          <a:lstStyle/>
+          <a:p>
+            <a:pPr>
+              <a:buFont typeface="Courier New" panose="02070309020205020404" pitchFamily="49" charset="0"/>
+              <a:buChar char="o"/>
+            </a:pPr>
+            <a:r>
+              <a:rPr lang="en-GB" dirty="0"/>
+              <a:t> Beginning R: The Statistical Programming Language by </a:t>
+            </a:r>
+            <a:r>
+              <a:rPr lang="en-GB" dirty="0" err="1"/>
+              <a:t>Wrox</a:t>
+            </a:r>
+            <a:r>
+              <a:rPr lang="en-GB" dirty="0"/>
+              <a:t> publisher</a:t>
+            </a:r>
+          </a:p>
+          <a:p>
+            <a:pPr>
+              <a:buFont typeface="Courier New" panose="02070309020205020404" pitchFamily="49" charset="0"/>
+              <a:buChar char="o"/>
+            </a:pPr>
+            <a:r>
+              <a:rPr lang="en-GB" dirty="0"/>
+              <a:t> Advanced R Statistical Programming and Data Models Analysis, Machine Learning, and Visualization by Matt Wiley and Joshua F. Wiley </a:t>
+            </a:r>
+          </a:p>
+          <a:p>
+            <a:pPr>
+              <a:buFont typeface="Courier New" panose="02070309020205020404" pitchFamily="49" charset="0"/>
+              <a:buChar char="o"/>
+            </a:pPr>
+            <a:r>
+              <a:rPr lang="en-GB" dirty="0"/>
+              <a:t> Modern R Programming Cookbook by </a:t>
+            </a:r>
+            <a:r>
+              <a:rPr lang="en-GB" dirty="0" err="1"/>
+              <a:t>Jaynal</a:t>
+            </a:r>
+            <a:r>
+              <a:rPr lang="en-GB" dirty="0"/>
+              <a:t> Abedin, </a:t>
+            </a:r>
+            <a:r>
+              <a:rPr lang="en-GB" dirty="0" err="1"/>
+              <a:t>Packt</a:t>
+            </a:r>
+            <a:r>
+              <a:rPr lang="en-GB" dirty="0"/>
+              <a:t> Publishing</a:t>
+            </a:r>
+          </a:p>
+          <a:p>
+            <a:pPr>
+              <a:buFont typeface="Courier New" panose="02070309020205020404" pitchFamily="49" charset="0"/>
+              <a:buChar char="o"/>
+            </a:pPr>
+            <a:r>
+              <a:rPr lang="en-GB" dirty="0"/>
+              <a:t> Learning R Programming by </a:t>
+            </a:r>
+            <a:r>
+              <a:rPr lang="en-GB" dirty="0" err="1"/>
+              <a:t>Kun</a:t>
+            </a:r>
+            <a:r>
+              <a:rPr lang="en-GB" dirty="0"/>
+              <a:t> Ren, </a:t>
+            </a:r>
+            <a:r>
+              <a:rPr lang="en-GB" dirty="0" err="1"/>
+              <a:t>Packt</a:t>
+            </a:r>
+            <a:r>
+              <a:rPr lang="en-GB" dirty="0"/>
+              <a:t> Publishing</a:t>
+            </a:r>
+          </a:p>
+          <a:p>
+            <a:pPr>
+              <a:buFont typeface="Courier New" panose="02070309020205020404" pitchFamily="49" charset="0"/>
+              <a:buChar char="o"/>
+            </a:pPr>
+            <a:endParaRPr lang="en-AT" dirty="0"/>
+          </a:p>
+        </p:txBody>
+      </p:sp>
+      <p:sp>
+        <p:nvSpPr>
+          <p:cNvPr id="6" name="Footer Placeholder 5">
+            <a:extLst>
+              <a:ext uri="{FF2B5EF4-FFF2-40B4-BE49-F238E27FC236}">
+                <a16:creationId xmlns:a16="http://schemas.microsoft.com/office/drawing/2014/main" id="{4B080D2F-AEBF-A546-95AB-978F2C334664}"/>
+              </a:ext>
+            </a:extLst>
+          </p:cNvPr>
+          <p:cNvSpPr>
+            <a:spLocks noGrp="1"/>
+          </p:cNvSpPr>
+          <p:nvPr>
+            <p:ph type="ftr" sz="quarter" idx="11"/>
+          </p:nvPr>
+        </p:nvSpPr>
+        <p:spPr/>
+        <p:txBody>
+          <a:bodyPr/>
+          <a:lstStyle/>
+          <a:p>
+            <a:pPr rtl="0"/>
+            <a:r>
+              <a:rPr lang="en-GB" noProof="0"/>
+              <a:t>R for Data Science | Tek Raj Chhetri</a:t>
+            </a:r>
+            <a:endParaRPr lang="en-GB" noProof="0" dirty="0"/>
+          </a:p>
+        </p:txBody>
+      </p:sp>
+      <p:sp>
+        <p:nvSpPr>
+          <p:cNvPr id="7" name="Date Placeholder 6">
+            <a:extLst>
+              <a:ext uri="{FF2B5EF4-FFF2-40B4-BE49-F238E27FC236}">
+                <a16:creationId xmlns:a16="http://schemas.microsoft.com/office/drawing/2014/main" id="{1243E8BC-A873-7E42-B91C-CC35C3EC3A2E}"/>
+              </a:ext>
+            </a:extLst>
+          </p:cNvPr>
+          <p:cNvSpPr>
+            <a:spLocks noGrp="1"/>
+          </p:cNvSpPr>
+          <p:nvPr>
+            <p:ph type="dt" sz="half" idx="10"/>
+          </p:nvPr>
+        </p:nvSpPr>
+        <p:spPr/>
+        <p:txBody>
+          <a:bodyPr/>
+          <a:lstStyle/>
+          <a:p>
+            <a:pPr rtl="0"/>
+            <a:fld id="{56FEC948-6879-7340-9946-402FC646F388}" type="datetime1">
+              <a:rPr lang="en-US" noProof="0" smtClean="0"/>
+              <a:t>6/19/21</a:t>
+            </a:fld>
+            <a:endParaRPr lang="en-GB" noProof="0" dirty="0"/>
+          </a:p>
+        </p:txBody>
+      </p:sp>
+    </p:spTree>
+    <p:extLst>
+      <p:ext uri="{BB962C8B-B14F-4D97-AF65-F5344CB8AC3E}">
+        <p14:creationId xmlns:p14="http://schemas.microsoft.com/office/powerpoint/2010/main" val="1401741552"/>
+      </p:ext>
+    </p:extLst>
+  </p:cSld>
+  <p:clrMapOvr>
+    <a:masterClrMapping/>
+  </p:clrMapOvr>
+</p:sld>
+</file>
+
+<file path=ppt/slides/slide20.xml><?xml version="1.0" encoding="utf-8"?>
 <p:sld xmlns:a="http://schemas.openxmlformats.org/drawingml/2006/main" xmlns:r="http://schemas.openxmlformats.org/officeDocument/2006/relationships" xmlns:p="http://schemas.openxmlformats.org/presentationml/2006/main">
   <p:cSld>
     <p:bg>
@@ -35337,7 +34812,7 @@
 </p:sld>
 </file>
 
-<file path=ppt/slides/slide22.xml><?xml version="1.0" encoding="utf-8"?>
+<file path=ppt/slides/slide21.xml><?xml version="1.0" encoding="utf-8"?>
 <p:sld xmlns:a="http://schemas.openxmlformats.org/drawingml/2006/main" xmlns:r="http://schemas.openxmlformats.org/officeDocument/2006/relationships" xmlns:p="http://schemas.openxmlformats.org/presentationml/2006/main">
   <p:cSld>
     <p:bg>
@@ -35933,7 +35408,7 @@
 </p:sld>
 </file>
 
-<file path=ppt/slides/slide23.xml><?xml version="1.0" encoding="utf-8"?>
+<file path=ppt/slides/slide22.xml><?xml version="1.0" encoding="utf-8"?>
 <p:sld xmlns:a="http://schemas.openxmlformats.org/drawingml/2006/main" xmlns:r="http://schemas.openxmlformats.org/officeDocument/2006/relationships" xmlns:p="http://schemas.openxmlformats.org/presentationml/2006/main">
   <p:cSld>
     <p:bg>
@@ -41441,6 +40916,23 @@
 </file>
 
 <file path=customXml/item1.xml><?xml version="1.0" encoding="utf-8"?>
+<p:properties xmlns:p="http://schemas.microsoft.com/office/2006/metadata/properties" xmlns:xsi="http://www.w3.org/2001/XMLSchema-instance" xmlns:pc="http://schemas.microsoft.com/office/infopath/2007/PartnerControls">
+  <documentManagement>
+    <MediaServiceKeyPoints xmlns="71af3243-3dd4-4a8d-8c0d-dd76da1f02a5" xsi:nil="true"/>
+  </documentManagement>
+</p:properties>
+</file>
+
+<file path=customXml/item2.xml><?xml version="1.0" encoding="utf-8"?>
+<?mso-contentType ?>
+<FormTemplates xmlns="http://schemas.microsoft.com/sharepoint/v3/contenttype/forms">
+  <Display>DocumentLibraryForm</Display>
+  <Edit>DocumentLibraryForm</Edit>
+  <New>DocumentLibraryForm</New>
+</FormTemplates>
+</file>
+
+<file path=customXml/item3.xml><?xml version="1.0" encoding="utf-8"?>
 <ct:contentTypeSchema xmlns:ct="http://schemas.microsoft.com/office/2006/metadata/contentType" xmlns:ma="http://schemas.microsoft.com/office/2006/metadata/properties/metaAttributes" ct:_="" ma:_="" ma:contentTypeName="Document" ma:contentTypeID="0x01010079F111ED35F8CC479449609E8A0923A6" ma:contentTypeVersion="11" ma:contentTypeDescription="Create a new document." ma:contentTypeScope="" ma:versionID="9677210f24a1be23c92c90fd886aa0aa">
   <xsd:schema xmlns:xsd="http://www.w3.org/2001/XMLSchema" xmlns:xs="http://www.w3.org/2001/XMLSchema" xmlns:p="http://schemas.microsoft.com/office/2006/metadata/properties" xmlns:ns2="71af3243-3dd4-4a8d-8c0d-dd76da1f02a5" xmlns:ns3="16c05727-aa75-4e4a-9b5f-8a80a1165891" targetNamespace="http://schemas.microsoft.com/office/2006/metadata/properties" ma:root="true" ma:fieldsID="60e05723c5c1908df1a1a4ebf11d344e" ns2:_="" ns3:_="">
     <xsd:import namespace="71af3243-3dd4-4a8d-8c0d-dd76da1f02a5"/>
@@ -41651,24 +41143,25 @@
 </ct:contentTypeSchema>
 </file>
 
-<file path=customXml/item2.xml><?xml version="1.0" encoding="utf-8"?>
-<?mso-contentType ?>
-<FormTemplates xmlns="http://schemas.microsoft.com/sharepoint/v3/contenttype/forms">
-  <Display>DocumentLibraryForm</Display>
-  <Edit>DocumentLibraryForm</Edit>
-  <New>DocumentLibraryForm</New>
-</FormTemplates>
+<file path=customXml/itemProps1.xml><?xml version="1.0" encoding="utf-8"?>
+<ds:datastoreItem xmlns:ds="http://schemas.openxmlformats.org/officeDocument/2006/customXml" ds:itemID="{788A2F88-55C5-4ED1-9541-807C65424763}">
+  <ds:schemaRefs>
+    <ds:schemaRef ds:uri="http://schemas.microsoft.com/office/2006/metadata/properties"/>
+    <ds:schemaRef ds:uri="http://schemas.microsoft.com/office/infopath/2007/PartnerControls"/>
+    <ds:schemaRef ds:uri="71af3243-3dd4-4a8d-8c0d-dd76da1f02a5"/>
+  </ds:schemaRefs>
+</ds:datastoreItem>
 </file>
 
-<file path=customXml/item3.xml><?xml version="1.0" encoding="utf-8"?>
-<p:properties xmlns:p="http://schemas.microsoft.com/office/2006/metadata/properties" xmlns:xsi="http://www.w3.org/2001/XMLSchema-instance" xmlns:pc="http://schemas.microsoft.com/office/infopath/2007/PartnerControls">
-  <documentManagement>
-    <MediaServiceKeyPoints xmlns="71af3243-3dd4-4a8d-8c0d-dd76da1f02a5" xsi:nil="true"/>
-  </documentManagement>
-</p:properties>
+<file path=customXml/itemProps2.xml><?xml version="1.0" encoding="utf-8"?>
+<ds:datastoreItem xmlns:ds="http://schemas.openxmlformats.org/officeDocument/2006/customXml" ds:itemID="{4F44C90D-2A62-4985-9618-3460247437B1}">
+  <ds:schemaRefs>
+    <ds:schemaRef ds:uri="http://schemas.microsoft.com/sharepoint/v3/contenttype/forms"/>
+  </ds:schemaRefs>
+</ds:datastoreItem>
 </file>
 
-<file path=customXml/itemProps1.xml><?xml version="1.0" encoding="utf-8"?>
+<file path=customXml/itemProps3.xml><?xml version="1.0" encoding="utf-8"?>
 <ds:datastoreItem xmlns:ds="http://schemas.openxmlformats.org/officeDocument/2006/customXml" ds:itemID="{B61EAB5F-88FC-4FAE-AE3C-037A3C365EB8}">
   <ds:schemaRefs>
     <ds:schemaRef ds:uri="http://schemas.microsoft.com/office/2006/metadata/contentType"/>
@@ -41685,22 +41178,4 @@
     <ds:schemaRef ds:uri="http://schemas.microsoft.com/internal/obd"/>
   </ds:schemaRefs>
 </ds:datastoreItem>
-</file>
-
-<file path=customXml/itemProps2.xml><?xml version="1.0" encoding="utf-8"?>
-<ds:datastoreItem xmlns:ds="http://schemas.openxmlformats.org/officeDocument/2006/customXml" ds:itemID="{4F44C90D-2A62-4985-9618-3460247437B1}">
-  <ds:schemaRefs>
-    <ds:schemaRef ds:uri="http://schemas.microsoft.com/sharepoint/v3/contenttype/forms"/>
-  </ds:schemaRefs>
-</ds:datastoreItem>
-</file>
-
-<file path=customXml/itemProps3.xml><?xml version="1.0" encoding="utf-8"?>
-<ds:datastoreItem xmlns:ds="http://schemas.openxmlformats.org/officeDocument/2006/customXml" ds:itemID="{788A2F88-55C5-4ED1-9541-807C65424763}">
-  <ds:schemaRefs>
-    <ds:schemaRef ds:uri="http://schemas.microsoft.com/office/2006/metadata/properties"/>
-    <ds:schemaRef ds:uri="http://schemas.microsoft.com/office/infopath/2007/PartnerControls"/>
-    <ds:schemaRef ds:uri="71af3243-3dd4-4a8d-8c0d-dd76da1f02a5"/>
-  </ds:schemaRefs>
-</ds:datastoreItem>
 </file>